--- a/TeamPresentation.pptx
+++ b/TeamPresentation.pptx
@@ -7249,7 +7249,254 @@
             </a:r>
           </a:p>
           <a:p>
+            <a:r>
+              <a:rPr lang="de-DE" dirty="0"/>
+              <a:t>seaborn</a:t>
+            </a:r>
+          </a:p>
+          <a:p>
+            <a:endParaRPr lang="de-DE" dirty="0"/>
+          </a:p>
+          <a:p>
             <a:endParaRPr lang="en-US" dirty="0"/>
+          </a:p>
+        </p:txBody>
+      </p:sp>
+      <p:sp>
+        <p:nvSpPr>
+          <p:cNvPr id="4" name="Rectangle 1">
+            <a:extLst>
+              <a:ext uri="{FF2B5EF4-FFF2-40B4-BE49-F238E27FC236}">
+                <a16:creationId xmlns:a16="http://schemas.microsoft.com/office/drawing/2014/main" id="{90B6C7A0-F587-46A8-B9B2-FC2728768C8F}"/>
+              </a:ext>
+            </a:extLst>
+          </p:cNvPr>
+          <p:cNvSpPr>
+            <a:spLocks noChangeArrowheads="1"/>
+          </p:cNvSpPr>
+          <p:nvPr/>
+        </p:nvSpPr>
+        <p:spPr bwMode="auto">
+          <a:xfrm>
+            <a:off x="0" y="0"/>
+            <a:ext cx="12192000" cy="457200"/>
+          </a:xfrm>
+          <a:prstGeom prst="rect">
+            <a:avLst/>
+          </a:prstGeom>
+          <a:noFill/>
+          <a:ln>
+            <a:noFill/>
+          </a:ln>
+          <a:effectLst/>
+          <a:extLst>
+            <a:ext uri="{909E8E84-426E-40DD-AFC4-6F175D3DCCD1}">
+              <a14:hiddenFill xmlns:a14="http://schemas.microsoft.com/office/drawing/2010/main">
+                <a:solidFill>
+                  <a:schemeClr val="accent1"/>
+                </a:solidFill>
+              </a14:hiddenFill>
+            </a:ext>
+            <a:ext uri="{91240B29-F687-4F45-9708-019B960494DF}">
+              <a14:hiddenLine xmlns:a14="http://schemas.microsoft.com/office/drawing/2010/main" w="9525">
+                <a:solidFill>
+                  <a:schemeClr val="tx1"/>
+                </a:solidFill>
+                <a:miter lim="800000"/>
+                <a:headEnd/>
+                <a:tailEnd/>
+              </a14:hiddenLine>
+            </a:ext>
+            <a:ext uri="{AF507438-7753-43E0-B8FC-AC1667EBCBE1}">
+              <a14:hiddenEffects xmlns:a14="http://schemas.microsoft.com/office/drawing/2010/main">
+                <a:effectLst>
+                  <a:outerShdw dist="35921" dir="2700000" algn="ctr" rotWithShape="0">
+                    <a:schemeClr val="bg2"/>
+                  </a:outerShdw>
+                </a:effectLst>
+              </a14:hiddenEffects>
+            </a:ext>
+          </a:extLst>
+        </p:spPr>
+        <p:txBody>
+          <a:bodyPr vert="horz" wrap="none" lIns="91440" tIns="45720" rIns="91440" bIns="45720" numCol="1" anchor="ctr" anchorCtr="0" compatLnSpc="1">
+            <a:prstTxWarp prst="textNoShape">
+              <a:avLst/>
+            </a:prstTxWarp>
+            <a:spAutoFit/>
+          </a:bodyPr>
+          <a:lstStyle/>
+          <a:p>
+            <a:pPr marL="0" marR="0" lvl="0" indent="0" algn="l" defTabSz="914400" rtl="0" eaLnBrk="0" fontAlgn="base" latinLnBrk="0" hangingPunct="0">
+              <a:lnSpc>
+                <a:spcPct val="100000"/>
+              </a:lnSpc>
+              <a:spcBef>
+                <a:spcPct val="0"/>
+              </a:spcBef>
+              <a:spcAft>
+                <a:spcPct val="0"/>
+              </a:spcAft>
+              <a:buClrTx/>
+              <a:buSzTx/>
+              <a:buFontTx/>
+              <a:buNone/>
+              <a:tabLst/>
+            </a:pPr>
+            <a:r>
+              <a:rPr kumimoji="0" lang="en-150" altLang="en-150" sz="1000" b="0" i="0" u="none" strike="noStrike" cap="none" normalizeH="0" baseline="0">
+                <a:ln>
+                  <a:noFill/>
+                </a:ln>
+                <a:solidFill>
+                  <a:schemeClr val="tx1"/>
+                </a:solidFill>
+                <a:effectLst/>
+                <a:latin typeface="Arial Unicode MS"/>
+              </a:rPr>
+              <a:t>seaborn</a:t>
+            </a:r>
+            <a:r>
+              <a:rPr kumimoji="0" lang="en-150" altLang="en-150" sz="1100" b="0" i="0" u="none" strike="noStrike" cap="none" normalizeH="0" baseline="0">
+                <a:ln>
+                  <a:noFill/>
+                </a:ln>
+                <a:solidFill>
+                  <a:schemeClr val="tx1"/>
+                </a:solidFill>
+                <a:effectLst/>
+              </a:rPr>
+              <a:t> </a:t>
+            </a:r>
+            <a:endParaRPr kumimoji="0" lang="en-150" altLang="en-150" sz="1800" b="0" i="0" u="none" strike="noStrike" cap="none" normalizeH="0" baseline="0">
+              <a:ln>
+                <a:noFill/>
+              </a:ln>
+              <a:solidFill>
+                <a:schemeClr val="tx1"/>
+              </a:solidFill>
+              <a:effectLst/>
+              <a:latin typeface="Arial" panose="020B0604020202020204" pitchFamily="34" charset="0"/>
+            </a:endParaRPr>
+          </a:p>
+        </p:txBody>
+      </p:sp>
+      <p:sp>
+        <p:nvSpPr>
+          <p:cNvPr id="5" name="Rectangle 2">
+            <a:extLst>
+              <a:ext uri="{FF2B5EF4-FFF2-40B4-BE49-F238E27FC236}">
+                <a16:creationId xmlns:a16="http://schemas.microsoft.com/office/drawing/2014/main" id="{D8FBF9BD-D5F2-40DD-933E-320945DE1F80}"/>
+              </a:ext>
+            </a:extLst>
+          </p:cNvPr>
+          <p:cNvSpPr>
+            <a:spLocks noChangeArrowheads="1"/>
+          </p:cNvSpPr>
+          <p:nvPr/>
+        </p:nvSpPr>
+        <p:spPr bwMode="auto">
+          <a:xfrm>
+            <a:off x="152400" y="152400"/>
+            <a:ext cx="12192000" cy="457200"/>
+          </a:xfrm>
+          <a:prstGeom prst="rect">
+            <a:avLst/>
+          </a:prstGeom>
+          <a:noFill/>
+          <a:ln>
+            <a:noFill/>
+          </a:ln>
+          <a:effectLst/>
+          <a:extLst>
+            <a:ext uri="{909E8E84-426E-40DD-AFC4-6F175D3DCCD1}">
+              <a14:hiddenFill xmlns:a14="http://schemas.microsoft.com/office/drawing/2010/main">
+                <a:solidFill>
+                  <a:schemeClr val="accent1"/>
+                </a:solidFill>
+              </a14:hiddenFill>
+            </a:ext>
+            <a:ext uri="{91240B29-F687-4F45-9708-019B960494DF}">
+              <a14:hiddenLine xmlns:a14="http://schemas.microsoft.com/office/drawing/2010/main" w="9525">
+                <a:solidFill>
+                  <a:schemeClr val="tx1"/>
+                </a:solidFill>
+                <a:miter lim="800000"/>
+                <a:headEnd/>
+                <a:tailEnd/>
+              </a14:hiddenLine>
+            </a:ext>
+            <a:ext uri="{AF507438-7753-43E0-B8FC-AC1667EBCBE1}">
+              <a14:hiddenEffects xmlns:a14="http://schemas.microsoft.com/office/drawing/2010/main">
+                <a:effectLst>
+                  <a:outerShdw dist="35921" dir="2700000" algn="ctr" rotWithShape="0">
+                    <a:schemeClr val="bg2"/>
+                  </a:outerShdw>
+                </a:effectLst>
+              </a14:hiddenEffects>
+            </a:ext>
+          </a:extLst>
+        </p:spPr>
+        <p:txBody>
+          <a:bodyPr vert="horz" wrap="none" lIns="91440" tIns="45720" rIns="91440" bIns="45720" numCol="1" anchor="ctr" anchorCtr="0" compatLnSpc="1">
+            <a:prstTxWarp prst="textNoShape">
+              <a:avLst/>
+            </a:prstTxWarp>
+            <a:spAutoFit/>
+          </a:bodyPr>
+          <a:lstStyle/>
+          <a:p>
+            <a:pPr marL="0" marR="0" lvl="0" indent="0" algn="l" defTabSz="914400" rtl="0" eaLnBrk="0" fontAlgn="base" latinLnBrk="0" hangingPunct="0">
+              <a:lnSpc>
+                <a:spcPct val="100000"/>
+              </a:lnSpc>
+              <a:spcBef>
+                <a:spcPct val="0"/>
+              </a:spcBef>
+              <a:spcAft>
+                <a:spcPct val="0"/>
+              </a:spcAft>
+              <a:buClrTx/>
+              <a:buSzTx/>
+              <a:buFontTx/>
+              <a:buNone/>
+              <a:tabLst/>
+            </a:pPr>
+            <a:r>
+              <a:rPr kumimoji="0" lang="en-150" altLang="en-150" sz="1000" b="0" i="0" u="none" strike="noStrike" cap="none" normalizeH="0" baseline="0">
+                <a:ln>
+                  <a:noFill/>
+                </a:ln>
+                <a:solidFill>
+                  <a:schemeClr val="tx1"/>
+                </a:solidFill>
+                <a:effectLst/>
+                <a:latin typeface="Arial Unicode MS"/>
+              </a:rPr>
+              <a:t>seaborn</a:t>
+            </a:r>
+            <a:r>
+              <a:rPr kumimoji="0" lang="en-150" altLang="en-150" sz="1100" b="0" i="0" u="none" strike="noStrike" cap="none" normalizeH="0" baseline="0">
+                <a:ln>
+                  <a:noFill/>
+                </a:ln>
+                <a:solidFill>
+                  <a:schemeClr val="tx1"/>
+                </a:solidFill>
+                <a:effectLst/>
+              </a:rPr>
+              <a:t> </a:t>
+            </a:r>
+            <a:endParaRPr kumimoji="0" lang="en-150" altLang="en-150" sz="1800" b="0" i="0" u="none" strike="noStrike" cap="none" normalizeH="0" baseline="0">
+              <a:ln>
+                <a:noFill/>
+              </a:ln>
+              <a:solidFill>
+                <a:schemeClr val="tx1"/>
+              </a:solidFill>
+              <a:effectLst/>
+              <a:latin typeface="Arial" panose="020B0604020202020204" pitchFamily="34" charset="0"/>
+            </a:endParaRPr>
           </a:p>
         </p:txBody>
       </p:sp>
@@ -7306,7 +7553,7 @@
           <a:p>
             <a:r>
               <a:rPr lang="en-IN" dirty="0"/>
-              <a:t>The Beginning</a:t>
+              <a:t>Challenges</a:t>
             </a:r>
             <a:endParaRPr lang="en-150" dirty="0"/>
           </a:p>
@@ -7373,7 +7620,7 @@
           <a:p>
             <a:r>
               <a:rPr lang="en-IN" dirty="0"/>
-              <a:t>Etc.</a:t>
+              <a:t>Last minute glitches</a:t>
             </a:r>
           </a:p>
         </p:txBody>
@@ -7584,7 +7831,13 @@
           <a:p>
             <a:r>
               <a:rPr lang="de-DE" dirty="0"/>
-              <a:t>Which are the the happiest countries in the world.</a:t>
+              <a:t>Which are the most happy countries in the world</a:t>
+            </a:r>
+          </a:p>
+          <a:p>
+            <a:r>
+              <a:rPr lang="de-DE" dirty="0"/>
+              <a:t>Which are the least happy countries in the world</a:t>
             </a:r>
           </a:p>
           <a:p>
@@ -7601,15 +7854,23 @@
           </a:p>
           <a:p>
             <a:r>
-              <a:rPr lang="de-DE" dirty="0"/>
-              <a:t>How is happiness related to life expectancy</a:t>
-            </a:r>
-          </a:p>
-          <a:p>
-            <a:r>
               <a:rPr lang="en-IN" dirty="0"/>
               <a:t>Correlation coefficients between factors</a:t>
             </a:r>
+          </a:p>
+          <a:p>
+            <a:pPr lvl="1"/>
+            <a:r>
+              <a:rPr lang="en-IN" dirty="0"/>
+              <a:t>e.g., </a:t>
+            </a:r>
+            <a:r>
+              <a:rPr lang="de-DE" dirty="0"/>
+              <a:t>how is happiness related to life expectancy (health)</a:t>
+            </a:r>
+          </a:p>
+          <a:p>
+            <a:pPr lvl="1"/>
             <a:endParaRPr lang="de-DE" dirty="0"/>
           </a:p>
           <a:p>

--- a/TeamPresentation.pptx
+++ b/TeamPresentation.pptx
@@ -7595,7 +7595,7 @@
             <a:pPr lvl="1"/>
             <a:r>
               <a:rPr lang="en-IN" dirty="0"/>
-              <a:t>Not to bulky</a:t>
+              <a:t>Not too bulky</a:t>
             </a:r>
           </a:p>
           <a:p>
